--- a/presentaciion FLP.pptx
+++ b/presentaciion FLP.pptx
@@ -8,10 +8,10 @@
     <p:sldId id="256" r:id="rId2"/>
     <p:sldId id="265" r:id="rId3"/>
     <p:sldId id="260" r:id="rId4"/>
-    <p:sldId id="259" r:id="rId5"/>
-    <p:sldId id="261" r:id="rId6"/>
-    <p:sldId id="262" r:id="rId7"/>
-    <p:sldId id="263" r:id="rId8"/>
+    <p:sldId id="262" r:id="rId5"/>
+    <p:sldId id="263" r:id="rId6"/>
+    <p:sldId id="259" r:id="rId7"/>
+    <p:sldId id="261" r:id="rId8"/>
     <p:sldId id="258" r:id="rId9"/>
     <p:sldId id="264" r:id="rId10"/>
   </p:sldIdLst>
@@ -291,7 +291,7 @@
             <a:fld id="{57E0CF6C-748E-4B7A-BC8B-3011EF78ED13}" type="datetime1">
               <a:rPr lang="en-US" smtClean="0"/>
               <a:pPr/>
-              <a:t>11/15/2022</a:t>
+              <a:t>11/16/2022</a:t>
             </a:fld>
             <a:endParaRPr lang="en-US" dirty="0"/>
           </a:p>
@@ -567,7 +567,7 @@
             <a:fld id="{57E0CF6C-748E-4B7A-BC8B-3011EF78ED13}" type="datetime1">
               <a:rPr lang="en-US" smtClean="0"/>
               <a:pPr/>
-              <a:t>11/15/2022</a:t>
+              <a:t>11/16/2022</a:t>
             </a:fld>
             <a:endParaRPr lang="en-US" dirty="0"/>
           </a:p>
@@ -807,7 +807,7 @@
             <a:fld id="{57E0CF6C-748E-4B7A-BC8B-3011EF78ED13}" type="datetime1">
               <a:rPr lang="en-US" smtClean="0"/>
               <a:pPr/>
-              <a:t>11/15/2022</a:t>
+              <a:t>11/16/2022</a:t>
             </a:fld>
             <a:endParaRPr lang="en-US" dirty="0"/>
           </a:p>
@@ -1126,7 +1126,7 @@
             <a:fld id="{57E0CF6C-748E-4B7A-BC8B-3011EF78ED13}" type="datetime1">
               <a:rPr lang="en-US" smtClean="0"/>
               <a:pPr/>
-              <a:t>11/15/2022</a:t>
+              <a:t>11/16/2022</a:t>
             </a:fld>
             <a:endParaRPr lang="en-US" dirty="0"/>
           </a:p>
@@ -1608,7 +1608,7 @@
             <a:fld id="{57E0CF6C-748E-4B7A-BC8B-3011EF78ED13}" type="datetime1">
               <a:rPr lang="en-US" smtClean="0"/>
               <a:pPr/>
-              <a:t>11/15/2022</a:t>
+              <a:t>11/16/2022</a:t>
             </a:fld>
             <a:endParaRPr lang="en-US" dirty="0"/>
           </a:p>
@@ -2164,7 +2164,7 @@
             <a:fld id="{57E0CF6C-748E-4B7A-BC8B-3011EF78ED13}" type="datetime1">
               <a:rPr lang="en-US" smtClean="0"/>
               <a:pPr/>
-              <a:t>11/15/2022</a:t>
+              <a:t>11/16/2022</a:t>
             </a:fld>
             <a:endParaRPr lang="en-US" dirty="0"/>
           </a:p>
@@ -2947,7 +2947,7 @@
             <a:fld id="{57E0CF6C-748E-4B7A-BC8B-3011EF78ED13}" type="datetime1">
               <a:rPr lang="en-US" smtClean="0"/>
               <a:pPr/>
-              <a:t>11/15/2022</a:t>
+              <a:t>11/16/2022</a:t>
             </a:fld>
             <a:endParaRPr lang="en-US" dirty="0"/>
           </a:p>
@@ -3131,7 +3131,7 @@
             <a:fld id="{57E0CF6C-748E-4B7A-BC8B-3011EF78ED13}" type="datetime1">
               <a:rPr lang="en-US" smtClean="0"/>
               <a:pPr/>
-              <a:t>11/15/2022</a:t>
+              <a:t>11/16/2022</a:t>
             </a:fld>
             <a:endParaRPr lang="en-US" dirty="0"/>
           </a:p>
@@ -3363,7 +3363,7 @@
             <a:fld id="{57E0CF6C-748E-4B7A-BC8B-3011EF78ED13}" type="datetime1">
               <a:rPr lang="en-US" smtClean="0"/>
               <a:pPr/>
-              <a:t>11/15/2022</a:t>
+              <a:t>11/16/2022</a:t>
             </a:fld>
             <a:endParaRPr lang="en-US" dirty="0"/>
           </a:p>
@@ -3552,7 +3552,7 @@
             <a:fld id="{57E0CF6C-748E-4B7A-BC8B-3011EF78ED13}" type="datetime1">
               <a:rPr lang="en-US" smtClean="0"/>
               <a:pPr/>
-              <a:t>11/15/2022</a:t>
+              <a:t>11/16/2022</a:t>
             </a:fld>
             <a:endParaRPr lang="en-US" dirty="0"/>
           </a:p>
@@ -3850,7 +3850,7 @@
             <a:fld id="{57E0CF6C-748E-4B7A-BC8B-3011EF78ED13}" type="datetime1">
               <a:rPr lang="en-US" smtClean="0"/>
               <a:pPr/>
-              <a:t>11/15/2022</a:t>
+              <a:t>11/16/2022</a:t>
             </a:fld>
             <a:endParaRPr lang="en-US" dirty="0"/>
           </a:p>
@@ -4101,7 +4101,7 @@
             <a:fld id="{57E0CF6C-748E-4B7A-BC8B-3011EF78ED13}" type="datetime1">
               <a:rPr lang="en-US" smtClean="0"/>
               <a:pPr/>
-              <a:t>11/15/2022</a:t>
+              <a:t>11/16/2022</a:t>
             </a:fld>
             <a:endParaRPr lang="en-US" dirty="0"/>
           </a:p>
@@ -4489,7 +4489,7 @@
             <a:fld id="{57E0CF6C-748E-4B7A-BC8B-3011EF78ED13}" type="datetime1">
               <a:rPr lang="en-US" smtClean="0"/>
               <a:pPr/>
-              <a:t>11/15/2022</a:t>
+              <a:t>11/16/2022</a:t>
             </a:fld>
             <a:endParaRPr lang="en-US" dirty="0"/>
           </a:p>
@@ -4616,7 +4616,7 @@
             <a:fld id="{57E0CF6C-748E-4B7A-BC8B-3011EF78ED13}" type="datetime1">
               <a:rPr lang="en-US" smtClean="0"/>
               <a:pPr/>
-              <a:t>11/15/2022</a:t>
+              <a:t>11/16/2022</a:t>
             </a:fld>
             <a:endParaRPr lang="en-US" dirty="0"/>
           </a:p>
@@ -4720,7 +4720,7 @@
             <a:fld id="{57E0CF6C-748E-4B7A-BC8B-3011EF78ED13}" type="datetime1">
               <a:rPr lang="en-US" smtClean="0"/>
               <a:pPr/>
-              <a:t>11/15/2022</a:t>
+              <a:t>11/16/2022</a:t>
             </a:fld>
             <a:endParaRPr lang="en-US" dirty="0"/>
           </a:p>
@@ -4978,7 +4978,7 @@
             <a:fld id="{57E0CF6C-748E-4B7A-BC8B-3011EF78ED13}" type="datetime1">
               <a:rPr lang="en-US" smtClean="0"/>
               <a:pPr/>
-              <a:t>11/15/2022</a:t>
+              <a:t>11/16/2022</a:t>
             </a:fld>
             <a:endParaRPr lang="en-US" dirty="0"/>
           </a:p>
@@ -5244,7 +5244,7 @@
             <a:fld id="{57E0CF6C-748E-4B7A-BC8B-3011EF78ED13}" type="datetime1">
               <a:rPr lang="en-US" smtClean="0"/>
               <a:pPr/>
-              <a:t>11/15/2022</a:t>
+              <a:t>11/16/2022</a:t>
             </a:fld>
             <a:endParaRPr lang="en-US" dirty="0"/>
           </a:p>
@@ -5496,7 +5496,7 @@
             <a:fld id="{57E0CF6C-748E-4B7A-BC8B-3011EF78ED13}" type="datetime1">
               <a:rPr lang="en-US" smtClean="0"/>
               <a:pPr/>
-              <a:t>11/15/2022</a:t>
+              <a:t>11/16/2022</a:t>
             </a:fld>
             <a:endParaRPr lang="en-US" dirty="0"/>
           </a:p>
@@ -6387,14 +6387,6 @@
 <file path=ppt/slides/slide4.xml><?xml version="1.0" encoding="utf-8"?>
 <p:sld xmlns:a="http://schemas.openxmlformats.org/drawingml/2006/main" xmlns:r="http://schemas.openxmlformats.org/officeDocument/2006/relationships" xmlns:p="http://schemas.openxmlformats.org/presentationml/2006/main">
   <p:cSld>
-    <p:bg>
-      <p:bgPr>
-        <a:solidFill>
-          <a:schemeClr val="bg1"/>
-        </a:solidFill>
-        <a:effectLst/>
-      </p:bgPr>
-    </p:bg>
     <p:spTree>
       <p:nvGrpSpPr>
         <p:cNvPr id="1" name=""/>
@@ -6425,14 +6417,14 @@
         </p:nvPicPr>
         <p:blipFill rotWithShape="1">
           <a:blip r:embed="rId2">
-            <a:alphaModFix amt="40000"/>
+            <a:alphaModFix amt="60000"/>
           </a:blip>
-          <a:srcRect b="3434"/>
+          <a:srcRect b="3453"/>
           <a:stretch/>
         </p:blipFill>
         <p:spPr>
           <a:xfrm>
-            <a:off x="0" y="0"/>
+            <a:off x="20" y="1386"/>
             <a:ext cx="12191980" cy="6856614"/>
           </a:xfrm>
           <a:prstGeom prst="rect">
@@ -6445,7 +6437,7 @@
           <p:cNvPr id="4" name="CuadroTexto 3">
             <a:extLst>
               <a:ext uri="{FF2B5EF4-FFF2-40B4-BE49-F238E27FC236}">
-                <a16:creationId xmlns:a16="http://schemas.microsoft.com/office/drawing/2014/main" id="{BB5BC014-35BD-795B-6C7C-C5FB5DB0B91B}"/>
+                <a16:creationId xmlns:a16="http://schemas.microsoft.com/office/drawing/2014/main" id="{E4E8201E-E9E7-0535-BB85-8371D3E7DB2A}"/>
               </a:ext>
             </a:extLst>
           </p:cNvPr>
@@ -6454,47 +6446,35 @@
         </p:nvSpPr>
         <p:spPr>
           <a:xfrm>
-            <a:off x="435005" y="2127276"/>
-            <a:ext cx="9448800" cy="2602062"/>
+            <a:off x="2325950" y="710214"/>
+            <a:ext cx="7696939" cy="707886"/>
           </a:xfrm>
           <a:prstGeom prst="rect">
             <a:avLst/>
           </a:prstGeom>
-        </p:spPr>
-        <p:txBody>
-          <a:bodyPr vert="horz" lIns="91440" tIns="45720" rIns="91440" bIns="45720" rtlCol="0" anchor="b">
-            <a:normAutofit/>
+          <a:noFill/>
+        </p:spPr>
+        <p:txBody>
+          <a:bodyPr wrap="square" rtlCol="0">
+            <a:spAutoFit/>
           </a:bodyPr>
           <a:lstStyle/>
           <a:p>
-            <a:pPr defTabSz="914400">
-              <a:lnSpc>
-                <a:spcPct val="90000"/>
-              </a:lnSpc>
-              <a:spcBef>
-                <a:spcPct val="0"/>
-              </a:spcBef>
-              <a:spcAft>
-                <a:spcPts val="600"/>
-              </a:spcAft>
-            </a:pPr>
-            <a:r>
-              <a:rPr lang="en-US" sz="6000" b="1" u="sng" cap="all" dirty="0">
-                <a:latin typeface="+mj-lt"/>
-                <a:ea typeface="+mj-ea"/>
-                <a:cs typeface="+mj-cs"/>
-              </a:rPr>
-              <a:t>¿Qué es Lua?</a:t>
-            </a:r>
+            <a:pPr algn="ctr"/>
+            <a:r>
+              <a:rPr lang="es-ES" sz="4000" b="1" u="sng" dirty="0"/>
+              <a:t>¿Que es la depresión?</a:t>
+            </a:r>
+            <a:endParaRPr lang="es-CL" sz="4000" b="1" u="sng" dirty="0"/>
           </a:p>
         </p:txBody>
       </p:sp>
       <p:pic>
         <p:nvPicPr>
-          <p:cNvPr id="6" name="Imagen 5" descr="Interfaz de usuario gráfica&#10;&#10;Descripción generada automáticamente">
+          <p:cNvPr id="6" name="Imagen 5" descr="Imagen que contiene mujer, agua, niña, sostener&#10;&#10;Descripción generada automáticamente">
             <a:extLst>
               <a:ext uri="{FF2B5EF4-FFF2-40B4-BE49-F238E27FC236}">
-                <a16:creationId xmlns:a16="http://schemas.microsoft.com/office/drawing/2014/main" id="{8AA458BC-AA02-3E43-2B5B-313A0132694B}"/>
+                <a16:creationId xmlns:a16="http://schemas.microsoft.com/office/drawing/2014/main" id="{4C615305-B212-BC5F-142B-88E24F5DA20D}"/>
               </a:ext>
             </a:extLst>
           </p:cNvPr>
@@ -6517,8 +6497,8 @@
         </p:blipFill>
         <p:spPr>
           <a:xfrm>
-            <a:off x="6095990" y="347652"/>
-            <a:ext cx="5760531" cy="3234940"/>
+            <a:off x="0" y="3953226"/>
+            <a:ext cx="3901440" cy="2194560"/>
           </a:xfrm>
           <a:prstGeom prst="rect">
             <a:avLst/>
@@ -6531,10 +6511,94 @@
           </a:effectLst>
         </p:spPr>
       </p:pic>
+      <p:pic>
+        <p:nvPicPr>
+          <p:cNvPr id="8" name="Imagen 7" descr="Dibujo en blanco y negro&#10;&#10;Descripción generada automáticamente con confianza baja">
+            <a:extLst>
+              <a:ext uri="{FF2B5EF4-FFF2-40B4-BE49-F238E27FC236}">
+                <a16:creationId xmlns:a16="http://schemas.microsoft.com/office/drawing/2014/main" id="{49940B27-672B-9CDF-A84E-94206AE7C400}"/>
+              </a:ext>
+            </a:extLst>
+          </p:cNvPr>
+          <p:cNvPicPr>
+            <a:picLocks noChangeAspect="1"/>
+          </p:cNvPicPr>
+          <p:nvPr/>
+        </p:nvPicPr>
+        <p:blipFill>
+          <a:blip r:embed="rId4">
+            <a:extLst>
+              <a:ext uri="{28A0092B-C50C-407E-A947-70E740481C1C}">
+                <a14:useLocalDpi xmlns:a14="http://schemas.microsoft.com/office/drawing/2010/main" val="0"/>
+              </a:ext>
+            </a:extLst>
+          </a:blip>
+          <a:stretch>
+            <a:fillRect/>
+          </a:stretch>
+        </p:blipFill>
+        <p:spPr>
+          <a:xfrm>
+            <a:off x="7903147" y="3004184"/>
+            <a:ext cx="4288853" cy="2943225"/>
+          </a:xfrm>
+          <a:prstGeom prst="rect">
+            <a:avLst/>
+          </a:prstGeom>
+          <a:ln>
+            <a:noFill/>
+          </a:ln>
+          <a:effectLst>
+            <a:softEdge rad="112500"/>
+          </a:effectLst>
+        </p:spPr>
+      </p:pic>
+      <p:pic>
+        <p:nvPicPr>
+          <p:cNvPr id="10" name="Imagen 9" descr="Imagen en blanco y negro de una persona&#10;&#10;Descripción generada automáticamente con confianza baja">
+            <a:extLst>
+              <a:ext uri="{FF2B5EF4-FFF2-40B4-BE49-F238E27FC236}">
+                <a16:creationId xmlns:a16="http://schemas.microsoft.com/office/drawing/2014/main" id="{2A3EAB9F-AFE4-79D1-40E5-55D88EFD69C3}"/>
+              </a:ext>
+            </a:extLst>
+          </p:cNvPr>
+          <p:cNvPicPr>
+            <a:picLocks noChangeAspect="1"/>
+          </p:cNvPicPr>
+          <p:nvPr/>
+        </p:nvPicPr>
+        <p:blipFill>
+          <a:blip r:embed="rId5">
+            <a:extLst>
+              <a:ext uri="{28A0092B-C50C-407E-A947-70E740481C1C}">
+                <a14:useLocalDpi xmlns:a14="http://schemas.microsoft.com/office/drawing/2010/main" val="0"/>
+              </a:ext>
+            </a:extLst>
+          </a:blip>
+          <a:stretch>
+            <a:fillRect/>
+          </a:stretch>
+        </p:blipFill>
+        <p:spPr>
+          <a:xfrm>
+            <a:off x="4139570" y="2163123"/>
+            <a:ext cx="3524250" cy="2819400"/>
+          </a:xfrm>
+          <a:prstGeom prst="rect">
+            <a:avLst/>
+          </a:prstGeom>
+          <a:ln>
+            <a:noFill/>
+          </a:ln>
+          <a:effectLst>
+            <a:softEdge rad="112500"/>
+          </a:effectLst>
+        </p:spPr>
+      </p:pic>
     </p:spTree>
     <p:extLst>
       <p:ext uri="{BB962C8B-B14F-4D97-AF65-F5344CB8AC3E}">
-        <p14:creationId xmlns:p14="http://schemas.microsoft.com/office/powerpoint/2010/main" val="2491227839"/>
+        <p14:creationId xmlns:p14="http://schemas.microsoft.com/office/powerpoint/2010/main" val="523014138"/>
       </p:ext>
     </p:extLst>
   </p:cSld>
@@ -6584,7 +6648,7 @@
         </p:blipFill>
         <p:spPr>
           <a:xfrm>
-            <a:off x="20" y="10"/>
+            <a:off x="20" y="0"/>
             <a:ext cx="12191980" cy="6856614"/>
           </a:xfrm>
           <a:prstGeom prst="rect">
@@ -6597,7 +6661,7 @@
           <p:cNvPr id="4" name="CuadroTexto 3">
             <a:extLst>
               <a:ext uri="{FF2B5EF4-FFF2-40B4-BE49-F238E27FC236}">
-                <a16:creationId xmlns:a16="http://schemas.microsoft.com/office/drawing/2014/main" id="{499FEA1C-467A-1F2E-B24E-AC0E69A8622A}"/>
+                <a16:creationId xmlns:a16="http://schemas.microsoft.com/office/drawing/2014/main" id="{49CECC09-6C67-6242-C014-47085432AF5E}"/>
               </a:ext>
             </a:extLst>
           </p:cNvPr>
@@ -6606,8 +6670,8 @@
         </p:nvSpPr>
         <p:spPr>
           <a:xfrm>
-            <a:off x="2794986" y="479395"/>
-            <a:ext cx="6602027" cy="707886"/>
+            <a:off x="2886722" y="479395"/>
+            <a:ext cx="6418555" cy="769441"/>
           </a:xfrm>
           <a:prstGeom prst="rect">
             <a:avLst/>
@@ -6622,19 +6686,19 @@
           <a:p>
             <a:pPr algn="ctr"/>
             <a:r>
-              <a:rPr lang="es-ES" sz="4000" b="1" u="sng" dirty="0"/>
-              <a:t>Ventajas y Desventajas</a:t>
-            </a:r>
-            <a:endParaRPr lang="es-CL" sz="4000" b="1" u="sng" dirty="0"/>
+              <a:rPr lang="es-ES" sz="4400" b="1" u="sng" dirty="0"/>
+              <a:t>Tipos de depresión</a:t>
+            </a:r>
+            <a:endParaRPr lang="es-CL" sz="4400" b="1" u="sng" dirty="0"/>
           </a:p>
         </p:txBody>
       </p:sp>
       <p:pic>
         <p:nvPicPr>
-          <p:cNvPr id="6" name="Imagen 5" descr="Un dibujo animado&#10;&#10;Descripción generada automáticamente con confianza media">
+          <p:cNvPr id="6" name="Imagen 5" descr="Imagen que contiene persona, hombre, joven, camisa&#10;&#10;Descripción generada automáticamente">
             <a:extLst>
               <a:ext uri="{FF2B5EF4-FFF2-40B4-BE49-F238E27FC236}">
-                <a16:creationId xmlns:a16="http://schemas.microsoft.com/office/drawing/2014/main" id="{0F6EEE30-C4FA-BF35-C156-5C0E609FAAFB}"/>
+                <a16:creationId xmlns:a16="http://schemas.microsoft.com/office/drawing/2014/main" id="{91568203-8FF0-1A39-BEBE-7A605F11332A}"/>
               </a:ext>
             </a:extLst>
           </p:cNvPr>
@@ -6657,8 +6721,8 @@
         </p:blipFill>
         <p:spPr>
           <a:xfrm>
-            <a:off x="6426203" y="1933574"/>
-            <a:ext cx="5461000" cy="3276601"/>
+            <a:off x="738834" y="2295524"/>
+            <a:ext cx="4295775" cy="4295775"/>
           </a:xfrm>
           <a:prstGeom prst="rect">
             <a:avLst/>
@@ -6673,10 +6737,10 @@
       </p:pic>
       <p:pic>
         <p:nvPicPr>
-          <p:cNvPr id="8" name="Imagen 7" descr="Imagen que contiene Icono&#10;&#10;Descripción generada automáticamente">
+          <p:cNvPr id="8" name="Imagen 7" descr="Imagen que contiene Mapa&#10;&#10;Descripción generada automáticamente">
             <a:extLst>
               <a:ext uri="{FF2B5EF4-FFF2-40B4-BE49-F238E27FC236}">
-                <a16:creationId xmlns:a16="http://schemas.microsoft.com/office/drawing/2014/main" id="{9C1FE5B4-E679-B673-7615-9AAF6C80BA9C}"/>
+                <a16:creationId xmlns:a16="http://schemas.microsoft.com/office/drawing/2014/main" id="{E49ACFAC-CFC3-DFB9-793C-C86E18D283CF}"/>
               </a:ext>
             </a:extLst>
           </p:cNvPr>
@@ -6699,8 +6763,8 @@
         </p:blipFill>
         <p:spPr>
           <a:xfrm>
-            <a:off x="489936" y="2666236"/>
-            <a:ext cx="4610100" cy="3321844"/>
+            <a:off x="6670519" y="1943099"/>
+            <a:ext cx="5269515" cy="3514725"/>
           </a:xfrm>
           <a:prstGeom prst="rect">
             <a:avLst/>
@@ -6716,7 +6780,7 @@
     </p:spTree>
     <p:extLst>
       <p:ext uri="{BB962C8B-B14F-4D97-AF65-F5344CB8AC3E}">
-        <p14:creationId xmlns:p14="http://schemas.microsoft.com/office/powerpoint/2010/main" val="43882479"/>
+        <p14:creationId xmlns:p14="http://schemas.microsoft.com/office/powerpoint/2010/main" val="4099984142"/>
       </p:ext>
     </p:extLst>
   </p:cSld>
@@ -6729,6 +6793,14 @@
 <file path=ppt/slides/slide6.xml><?xml version="1.0" encoding="utf-8"?>
 <p:sld xmlns:a="http://schemas.openxmlformats.org/drawingml/2006/main" xmlns:r="http://schemas.openxmlformats.org/officeDocument/2006/relationships" xmlns:p="http://schemas.openxmlformats.org/presentationml/2006/main">
   <p:cSld>
+    <p:bg>
+      <p:bgPr>
+        <a:solidFill>
+          <a:schemeClr val="bg1"/>
+        </a:solidFill>
+        <a:effectLst/>
+      </p:bgPr>
+    </p:bg>
     <p:spTree>
       <p:nvGrpSpPr>
         <p:cNvPr id="1" name=""/>
@@ -6759,14 +6831,14 @@
         </p:nvPicPr>
         <p:blipFill rotWithShape="1">
           <a:blip r:embed="rId2">
-            <a:alphaModFix amt="60000"/>
+            <a:alphaModFix amt="40000"/>
           </a:blip>
-          <a:srcRect b="3453"/>
+          <a:srcRect b="3434"/>
           <a:stretch/>
         </p:blipFill>
         <p:spPr>
           <a:xfrm>
-            <a:off x="20" y="1386"/>
+            <a:off x="0" y="0"/>
             <a:ext cx="12191980" cy="6856614"/>
           </a:xfrm>
           <a:prstGeom prst="rect">
@@ -6779,7 +6851,7 @@
           <p:cNvPr id="4" name="CuadroTexto 3">
             <a:extLst>
               <a:ext uri="{FF2B5EF4-FFF2-40B4-BE49-F238E27FC236}">
-                <a16:creationId xmlns:a16="http://schemas.microsoft.com/office/drawing/2014/main" id="{E4E8201E-E9E7-0535-BB85-8371D3E7DB2A}"/>
+                <a16:creationId xmlns:a16="http://schemas.microsoft.com/office/drawing/2014/main" id="{BB5BC014-35BD-795B-6C7C-C5FB5DB0B91B}"/>
               </a:ext>
             </a:extLst>
           </p:cNvPr>
@@ -6788,35 +6860,47 @@
         </p:nvSpPr>
         <p:spPr>
           <a:xfrm>
-            <a:off x="2325950" y="710214"/>
-            <a:ext cx="7696939" cy="707886"/>
+            <a:off x="435005" y="2127276"/>
+            <a:ext cx="9448800" cy="2602062"/>
           </a:xfrm>
           <a:prstGeom prst="rect">
             <a:avLst/>
           </a:prstGeom>
-          <a:noFill/>
-        </p:spPr>
-        <p:txBody>
-          <a:bodyPr wrap="square" rtlCol="0">
-            <a:spAutoFit/>
+        </p:spPr>
+        <p:txBody>
+          <a:bodyPr vert="horz" lIns="91440" tIns="45720" rIns="91440" bIns="45720" rtlCol="0" anchor="b">
+            <a:normAutofit/>
           </a:bodyPr>
           <a:lstStyle/>
           <a:p>
-            <a:pPr algn="ctr"/>
-            <a:r>
-              <a:rPr lang="es-ES" sz="4000" b="1" u="sng" dirty="0"/>
-              <a:t>¿Que es la depresión?</a:t>
-            </a:r>
-            <a:endParaRPr lang="es-CL" sz="4000" b="1" u="sng" dirty="0"/>
+            <a:pPr defTabSz="914400">
+              <a:lnSpc>
+                <a:spcPct val="90000"/>
+              </a:lnSpc>
+              <a:spcBef>
+                <a:spcPct val="0"/>
+              </a:spcBef>
+              <a:spcAft>
+                <a:spcPts val="600"/>
+              </a:spcAft>
+            </a:pPr>
+            <a:r>
+              <a:rPr lang="en-US" sz="6000" b="1" u="sng" cap="all" dirty="0">
+                <a:latin typeface="+mj-lt"/>
+                <a:ea typeface="+mj-ea"/>
+                <a:cs typeface="+mj-cs"/>
+              </a:rPr>
+              <a:t>¿Qué es Lua?</a:t>
+            </a:r>
           </a:p>
         </p:txBody>
       </p:sp>
       <p:pic>
         <p:nvPicPr>
-          <p:cNvPr id="6" name="Imagen 5" descr="Imagen que contiene mujer, agua, niña, sostener&#10;&#10;Descripción generada automáticamente">
+          <p:cNvPr id="6" name="Imagen 5" descr="Interfaz de usuario gráfica&#10;&#10;Descripción generada automáticamente">
             <a:extLst>
               <a:ext uri="{FF2B5EF4-FFF2-40B4-BE49-F238E27FC236}">
-                <a16:creationId xmlns:a16="http://schemas.microsoft.com/office/drawing/2014/main" id="{4C615305-B212-BC5F-142B-88E24F5DA20D}"/>
+                <a16:creationId xmlns:a16="http://schemas.microsoft.com/office/drawing/2014/main" id="{8AA458BC-AA02-3E43-2B5B-313A0132694B}"/>
               </a:ext>
             </a:extLst>
           </p:cNvPr>
@@ -6839,8 +6923,8 @@
         </p:blipFill>
         <p:spPr>
           <a:xfrm>
-            <a:off x="0" y="3953226"/>
-            <a:ext cx="3901440" cy="2194560"/>
+            <a:off x="6095990" y="347652"/>
+            <a:ext cx="5760531" cy="3234940"/>
           </a:xfrm>
           <a:prstGeom prst="rect">
             <a:avLst/>
@@ -6853,94 +6937,10 @@
           </a:effectLst>
         </p:spPr>
       </p:pic>
-      <p:pic>
-        <p:nvPicPr>
-          <p:cNvPr id="8" name="Imagen 7" descr="Dibujo en blanco y negro&#10;&#10;Descripción generada automáticamente con confianza baja">
-            <a:extLst>
-              <a:ext uri="{FF2B5EF4-FFF2-40B4-BE49-F238E27FC236}">
-                <a16:creationId xmlns:a16="http://schemas.microsoft.com/office/drawing/2014/main" id="{49940B27-672B-9CDF-A84E-94206AE7C400}"/>
-              </a:ext>
-            </a:extLst>
-          </p:cNvPr>
-          <p:cNvPicPr>
-            <a:picLocks noChangeAspect="1"/>
-          </p:cNvPicPr>
-          <p:nvPr/>
-        </p:nvPicPr>
-        <p:blipFill>
-          <a:blip r:embed="rId4">
-            <a:extLst>
-              <a:ext uri="{28A0092B-C50C-407E-A947-70E740481C1C}">
-                <a14:useLocalDpi xmlns:a14="http://schemas.microsoft.com/office/drawing/2010/main" val="0"/>
-              </a:ext>
-            </a:extLst>
-          </a:blip>
-          <a:stretch>
-            <a:fillRect/>
-          </a:stretch>
-        </p:blipFill>
-        <p:spPr>
-          <a:xfrm>
-            <a:off x="7903147" y="3004184"/>
-            <a:ext cx="4288853" cy="2943225"/>
-          </a:xfrm>
-          <a:prstGeom prst="rect">
-            <a:avLst/>
-          </a:prstGeom>
-          <a:ln>
-            <a:noFill/>
-          </a:ln>
-          <a:effectLst>
-            <a:softEdge rad="112500"/>
-          </a:effectLst>
-        </p:spPr>
-      </p:pic>
-      <p:pic>
-        <p:nvPicPr>
-          <p:cNvPr id="10" name="Imagen 9" descr="Imagen en blanco y negro de una persona&#10;&#10;Descripción generada automáticamente con confianza baja">
-            <a:extLst>
-              <a:ext uri="{FF2B5EF4-FFF2-40B4-BE49-F238E27FC236}">
-                <a16:creationId xmlns:a16="http://schemas.microsoft.com/office/drawing/2014/main" id="{2A3EAB9F-AFE4-79D1-40E5-55D88EFD69C3}"/>
-              </a:ext>
-            </a:extLst>
-          </p:cNvPr>
-          <p:cNvPicPr>
-            <a:picLocks noChangeAspect="1"/>
-          </p:cNvPicPr>
-          <p:nvPr/>
-        </p:nvPicPr>
-        <p:blipFill>
-          <a:blip r:embed="rId5">
-            <a:extLst>
-              <a:ext uri="{28A0092B-C50C-407E-A947-70E740481C1C}">
-                <a14:useLocalDpi xmlns:a14="http://schemas.microsoft.com/office/drawing/2010/main" val="0"/>
-              </a:ext>
-            </a:extLst>
-          </a:blip>
-          <a:stretch>
-            <a:fillRect/>
-          </a:stretch>
-        </p:blipFill>
-        <p:spPr>
-          <a:xfrm>
-            <a:off x="4139570" y="2163123"/>
-            <a:ext cx="3524250" cy="2819400"/>
-          </a:xfrm>
-          <a:prstGeom prst="rect">
-            <a:avLst/>
-          </a:prstGeom>
-          <a:ln>
-            <a:noFill/>
-          </a:ln>
-          <a:effectLst>
-            <a:softEdge rad="112500"/>
-          </a:effectLst>
-        </p:spPr>
-      </p:pic>
     </p:spTree>
     <p:extLst>
       <p:ext uri="{BB962C8B-B14F-4D97-AF65-F5344CB8AC3E}">
-        <p14:creationId xmlns:p14="http://schemas.microsoft.com/office/powerpoint/2010/main" val="523014138"/>
+        <p14:creationId xmlns:p14="http://schemas.microsoft.com/office/powerpoint/2010/main" val="2491227839"/>
       </p:ext>
     </p:extLst>
   </p:cSld>
@@ -6990,7 +6990,7 @@
         </p:blipFill>
         <p:spPr>
           <a:xfrm>
-            <a:off x="20" y="0"/>
+            <a:off x="20" y="10"/>
             <a:ext cx="12191980" cy="6856614"/>
           </a:xfrm>
           <a:prstGeom prst="rect">
@@ -7003,7 +7003,7 @@
           <p:cNvPr id="4" name="CuadroTexto 3">
             <a:extLst>
               <a:ext uri="{FF2B5EF4-FFF2-40B4-BE49-F238E27FC236}">
-                <a16:creationId xmlns:a16="http://schemas.microsoft.com/office/drawing/2014/main" id="{49CECC09-6C67-6242-C014-47085432AF5E}"/>
+                <a16:creationId xmlns:a16="http://schemas.microsoft.com/office/drawing/2014/main" id="{499FEA1C-467A-1F2E-B24E-AC0E69A8622A}"/>
               </a:ext>
             </a:extLst>
           </p:cNvPr>
@@ -7012,8 +7012,8 @@
         </p:nvSpPr>
         <p:spPr>
           <a:xfrm>
-            <a:off x="2886722" y="479395"/>
-            <a:ext cx="6418555" cy="769441"/>
+            <a:off x="2794986" y="479395"/>
+            <a:ext cx="6602027" cy="707886"/>
           </a:xfrm>
           <a:prstGeom prst="rect">
             <a:avLst/>
@@ -7028,19 +7028,19 @@
           <a:p>
             <a:pPr algn="ctr"/>
             <a:r>
-              <a:rPr lang="es-ES" sz="4400" b="1" u="sng" dirty="0"/>
-              <a:t>Tipos de depresión</a:t>
-            </a:r>
-            <a:endParaRPr lang="es-CL" sz="4400" b="1" u="sng" dirty="0"/>
+              <a:rPr lang="es-ES" sz="4000" b="1" u="sng" dirty="0"/>
+              <a:t>Ventajas y Desventajas</a:t>
+            </a:r>
+            <a:endParaRPr lang="es-CL" sz="4000" b="1" u="sng" dirty="0"/>
           </a:p>
         </p:txBody>
       </p:sp>
       <p:pic>
         <p:nvPicPr>
-          <p:cNvPr id="6" name="Imagen 5" descr="Imagen que contiene persona, hombre, joven, camisa&#10;&#10;Descripción generada automáticamente">
+          <p:cNvPr id="6" name="Imagen 5" descr="Un dibujo animado&#10;&#10;Descripción generada automáticamente con confianza media">
             <a:extLst>
               <a:ext uri="{FF2B5EF4-FFF2-40B4-BE49-F238E27FC236}">
-                <a16:creationId xmlns:a16="http://schemas.microsoft.com/office/drawing/2014/main" id="{91568203-8FF0-1A39-BEBE-7A605F11332A}"/>
+                <a16:creationId xmlns:a16="http://schemas.microsoft.com/office/drawing/2014/main" id="{0F6EEE30-C4FA-BF35-C156-5C0E609FAAFB}"/>
               </a:ext>
             </a:extLst>
           </p:cNvPr>
@@ -7063,8 +7063,8 @@
         </p:blipFill>
         <p:spPr>
           <a:xfrm>
-            <a:off x="738834" y="2295524"/>
-            <a:ext cx="4295775" cy="4295775"/>
+            <a:off x="6426203" y="1933574"/>
+            <a:ext cx="5461000" cy="3276601"/>
           </a:xfrm>
           <a:prstGeom prst="rect">
             <a:avLst/>
@@ -7079,10 +7079,10 @@
       </p:pic>
       <p:pic>
         <p:nvPicPr>
-          <p:cNvPr id="8" name="Imagen 7" descr="Imagen que contiene Mapa&#10;&#10;Descripción generada automáticamente">
+          <p:cNvPr id="8" name="Imagen 7" descr="Imagen que contiene Icono&#10;&#10;Descripción generada automáticamente">
             <a:extLst>
               <a:ext uri="{FF2B5EF4-FFF2-40B4-BE49-F238E27FC236}">
-                <a16:creationId xmlns:a16="http://schemas.microsoft.com/office/drawing/2014/main" id="{E49ACFAC-CFC3-DFB9-793C-C86E18D283CF}"/>
+                <a16:creationId xmlns:a16="http://schemas.microsoft.com/office/drawing/2014/main" id="{9C1FE5B4-E679-B673-7615-9AAF6C80BA9C}"/>
               </a:ext>
             </a:extLst>
           </p:cNvPr>
@@ -7105,8 +7105,8 @@
         </p:blipFill>
         <p:spPr>
           <a:xfrm>
-            <a:off x="6670519" y="1943099"/>
-            <a:ext cx="5269515" cy="3514725"/>
+            <a:off x="489936" y="2666236"/>
+            <a:ext cx="4610100" cy="3321844"/>
           </a:xfrm>
           <a:prstGeom prst="rect">
             <a:avLst/>
@@ -7122,7 +7122,7 @@
     </p:spTree>
     <p:extLst>
       <p:ext uri="{BB962C8B-B14F-4D97-AF65-F5344CB8AC3E}">
-        <p14:creationId xmlns:p14="http://schemas.microsoft.com/office/powerpoint/2010/main" val="4099984142"/>
+        <p14:creationId xmlns:p14="http://schemas.microsoft.com/office/powerpoint/2010/main" val="43882479"/>
       </p:ext>
     </p:extLst>
   </p:cSld>

--- a/presentaciion FLP.pptx
+++ b/presentaciion FLP.pptx
@@ -291,7 +291,7 @@
             <a:fld id="{57E0CF6C-748E-4B7A-BC8B-3011EF78ED13}" type="datetime1">
               <a:rPr lang="en-US" smtClean="0"/>
               <a:pPr/>
-              <a:t>11/16/2022</a:t>
+              <a:t>11/20/2022</a:t>
             </a:fld>
             <a:endParaRPr lang="en-US" dirty="0"/>
           </a:p>
@@ -567,7 +567,7 @@
             <a:fld id="{57E0CF6C-748E-4B7A-BC8B-3011EF78ED13}" type="datetime1">
               <a:rPr lang="en-US" smtClean="0"/>
               <a:pPr/>
-              <a:t>11/16/2022</a:t>
+              <a:t>11/20/2022</a:t>
             </a:fld>
             <a:endParaRPr lang="en-US" dirty="0"/>
           </a:p>
@@ -807,7 +807,7 @@
             <a:fld id="{57E0CF6C-748E-4B7A-BC8B-3011EF78ED13}" type="datetime1">
               <a:rPr lang="en-US" smtClean="0"/>
               <a:pPr/>
-              <a:t>11/16/2022</a:t>
+              <a:t>11/20/2022</a:t>
             </a:fld>
             <a:endParaRPr lang="en-US" dirty="0"/>
           </a:p>
@@ -1126,7 +1126,7 @@
             <a:fld id="{57E0CF6C-748E-4B7A-BC8B-3011EF78ED13}" type="datetime1">
               <a:rPr lang="en-US" smtClean="0"/>
               <a:pPr/>
-              <a:t>11/16/2022</a:t>
+              <a:t>11/20/2022</a:t>
             </a:fld>
             <a:endParaRPr lang="en-US" dirty="0"/>
           </a:p>
@@ -1608,7 +1608,7 @@
             <a:fld id="{57E0CF6C-748E-4B7A-BC8B-3011EF78ED13}" type="datetime1">
               <a:rPr lang="en-US" smtClean="0"/>
               <a:pPr/>
-              <a:t>11/16/2022</a:t>
+              <a:t>11/20/2022</a:t>
             </a:fld>
             <a:endParaRPr lang="en-US" dirty="0"/>
           </a:p>
@@ -2164,7 +2164,7 @@
             <a:fld id="{57E0CF6C-748E-4B7A-BC8B-3011EF78ED13}" type="datetime1">
               <a:rPr lang="en-US" smtClean="0"/>
               <a:pPr/>
-              <a:t>11/16/2022</a:t>
+              <a:t>11/20/2022</a:t>
             </a:fld>
             <a:endParaRPr lang="en-US" dirty="0"/>
           </a:p>
@@ -2947,7 +2947,7 @@
             <a:fld id="{57E0CF6C-748E-4B7A-BC8B-3011EF78ED13}" type="datetime1">
               <a:rPr lang="en-US" smtClean="0"/>
               <a:pPr/>
-              <a:t>11/16/2022</a:t>
+              <a:t>11/20/2022</a:t>
             </a:fld>
             <a:endParaRPr lang="en-US" dirty="0"/>
           </a:p>
@@ -3131,7 +3131,7 @@
             <a:fld id="{57E0CF6C-748E-4B7A-BC8B-3011EF78ED13}" type="datetime1">
               <a:rPr lang="en-US" smtClean="0"/>
               <a:pPr/>
-              <a:t>11/16/2022</a:t>
+              <a:t>11/20/2022</a:t>
             </a:fld>
             <a:endParaRPr lang="en-US" dirty="0"/>
           </a:p>
@@ -3363,7 +3363,7 @@
             <a:fld id="{57E0CF6C-748E-4B7A-BC8B-3011EF78ED13}" type="datetime1">
               <a:rPr lang="en-US" smtClean="0"/>
               <a:pPr/>
-              <a:t>11/16/2022</a:t>
+              <a:t>11/20/2022</a:t>
             </a:fld>
             <a:endParaRPr lang="en-US" dirty="0"/>
           </a:p>
@@ -3552,7 +3552,7 @@
             <a:fld id="{57E0CF6C-748E-4B7A-BC8B-3011EF78ED13}" type="datetime1">
               <a:rPr lang="en-US" smtClean="0"/>
               <a:pPr/>
-              <a:t>11/16/2022</a:t>
+              <a:t>11/20/2022</a:t>
             </a:fld>
             <a:endParaRPr lang="en-US" dirty="0"/>
           </a:p>
@@ -3850,7 +3850,7 @@
             <a:fld id="{57E0CF6C-748E-4B7A-BC8B-3011EF78ED13}" type="datetime1">
               <a:rPr lang="en-US" smtClean="0"/>
               <a:pPr/>
-              <a:t>11/16/2022</a:t>
+              <a:t>11/20/2022</a:t>
             </a:fld>
             <a:endParaRPr lang="en-US" dirty="0"/>
           </a:p>
@@ -4101,7 +4101,7 @@
             <a:fld id="{57E0CF6C-748E-4B7A-BC8B-3011EF78ED13}" type="datetime1">
               <a:rPr lang="en-US" smtClean="0"/>
               <a:pPr/>
-              <a:t>11/16/2022</a:t>
+              <a:t>11/20/2022</a:t>
             </a:fld>
             <a:endParaRPr lang="en-US" dirty="0"/>
           </a:p>
@@ -4489,7 +4489,7 @@
             <a:fld id="{57E0CF6C-748E-4B7A-BC8B-3011EF78ED13}" type="datetime1">
               <a:rPr lang="en-US" smtClean="0"/>
               <a:pPr/>
-              <a:t>11/16/2022</a:t>
+              <a:t>11/20/2022</a:t>
             </a:fld>
             <a:endParaRPr lang="en-US" dirty="0"/>
           </a:p>
@@ -4616,7 +4616,7 @@
             <a:fld id="{57E0CF6C-748E-4B7A-BC8B-3011EF78ED13}" type="datetime1">
               <a:rPr lang="en-US" smtClean="0"/>
               <a:pPr/>
-              <a:t>11/16/2022</a:t>
+              <a:t>11/20/2022</a:t>
             </a:fld>
             <a:endParaRPr lang="en-US" dirty="0"/>
           </a:p>
@@ -4720,7 +4720,7 @@
             <a:fld id="{57E0CF6C-748E-4B7A-BC8B-3011EF78ED13}" type="datetime1">
               <a:rPr lang="en-US" smtClean="0"/>
               <a:pPr/>
-              <a:t>11/16/2022</a:t>
+              <a:t>11/20/2022</a:t>
             </a:fld>
             <a:endParaRPr lang="en-US" dirty="0"/>
           </a:p>
@@ -4978,7 +4978,7 @@
             <a:fld id="{57E0CF6C-748E-4B7A-BC8B-3011EF78ED13}" type="datetime1">
               <a:rPr lang="en-US" smtClean="0"/>
               <a:pPr/>
-              <a:t>11/16/2022</a:t>
+              <a:t>11/20/2022</a:t>
             </a:fld>
             <a:endParaRPr lang="en-US" dirty="0"/>
           </a:p>
@@ -5244,7 +5244,7 @@
             <a:fld id="{57E0CF6C-748E-4B7A-BC8B-3011EF78ED13}" type="datetime1">
               <a:rPr lang="en-US" smtClean="0"/>
               <a:pPr/>
-              <a:t>11/16/2022</a:t>
+              <a:t>11/20/2022</a:t>
             </a:fld>
             <a:endParaRPr lang="en-US" dirty="0"/>
           </a:p>
@@ -5496,7 +5496,7 @@
             <a:fld id="{57E0CF6C-748E-4B7A-BC8B-3011EF78ED13}" type="datetime1">
               <a:rPr lang="en-US" smtClean="0"/>
               <a:pPr/>
-              <a:t>11/16/2022</a:t>
+              <a:t>11/20/2022</a:t>
             </a:fld>
             <a:endParaRPr lang="en-US" dirty="0"/>
           </a:p>
@@ -6462,8 +6462,12 @@
           <a:p>
             <a:pPr algn="ctr"/>
             <a:r>
+              <a:rPr lang="es-ES" sz="4000" b="1" u="sng"/>
+              <a:t>¿Qué </a:t>
+            </a:r>
+            <a:r>
               <a:rPr lang="es-ES" sz="4000" b="1" u="sng" dirty="0"/>
-              <a:t>¿Que es la depresión?</a:t>
+              <a:t>es la depresión?</a:t>
             </a:r>
             <a:endParaRPr lang="es-CL" sz="4000" b="1" u="sng" dirty="0"/>
           </a:p>

--- a/presentaciion FLP.pptx
+++ b/presentaciion FLP.pptx
@@ -13,7 +13,8 @@
     <p:sldId id="259" r:id="rId7"/>
     <p:sldId id="261" r:id="rId8"/>
     <p:sldId id="258" r:id="rId9"/>
-    <p:sldId id="264" r:id="rId10"/>
+    <p:sldId id="267" r:id="rId10"/>
+    <p:sldId id="264" r:id="rId11"/>
   </p:sldIdLst>
   <p:sldSz cx="12192000" cy="6858000"/>
   <p:notesSz cx="6858000" cy="9144000"/>
@@ -291,7 +292,7 @@
             <a:fld id="{57E0CF6C-748E-4B7A-BC8B-3011EF78ED13}" type="datetime1">
               <a:rPr lang="en-US" smtClean="0"/>
               <a:pPr/>
-              <a:t>11/20/2022</a:t>
+              <a:t>11/21/2022</a:t>
             </a:fld>
             <a:endParaRPr lang="en-US" dirty="0"/>
           </a:p>
@@ -567,7 +568,7 @@
             <a:fld id="{57E0CF6C-748E-4B7A-BC8B-3011EF78ED13}" type="datetime1">
               <a:rPr lang="en-US" smtClean="0"/>
               <a:pPr/>
-              <a:t>11/20/2022</a:t>
+              <a:t>11/21/2022</a:t>
             </a:fld>
             <a:endParaRPr lang="en-US" dirty="0"/>
           </a:p>
@@ -807,7 +808,7 @@
             <a:fld id="{57E0CF6C-748E-4B7A-BC8B-3011EF78ED13}" type="datetime1">
               <a:rPr lang="en-US" smtClean="0"/>
               <a:pPr/>
-              <a:t>11/20/2022</a:t>
+              <a:t>11/21/2022</a:t>
             </a:fld>
             <a:endParaRPr lang="en-US" dirty="0"/>
           </a:p>
@@ -1126,7 +1127,7 @@
             <a:fld id="{57E0CF6C-748E-4B7A-BC8B-3011EF78ED13}" type="datetime1">
               <a:rPr lang="en-US" smtClean="0"/>
               <a:pPr/>
-              <a:t>11/20/2022</a:t>
+              <a:t>11/21/2022</a:t>
             </a:fld>
             <a:endParaRPr lang="en-US" dirty="0"/>
           </a:p>
@@ -1608,7 +1609,7 @@
             <a:fld id="{57E0CF6C-748E-4B7A-BC8B-3011EF78ED13}" type="datetime1">
               <a:rPr lang="en-US" smtClean="0"/>
               <a:pPr/>
-              <a:t>11/20/2022</a:t>
+              <a:t>11/21/2022</a:t>
             </a:fld>
             <a:endParaRPr lang="en-US" dirty="0"/>
           </a:p>
@@ -2164,7 +2165,7 @@
             <a:fld id="{57E0CF6C-748E-4B7A-BC8B-3011EF78ED13}" type="datetime1">
               <a:rPr lang="en-US" smtClean="0"/>
               <a:pPr/>
-              <a:t>11/20/2022</a:t>
+              <a:t>11/21/2022</a:t>
             </a:fld>
             <a:endParaRPr lang="en-US" dirty="0"/>
           </a:p>
@@ -2947,7 +2948,7 @@
             <a:fld id="{57E0CF6C-748E-4B7A-BC8B-3011EF78ED13}" type="datetime1">
               <a:rPr lang="en-US" smtClean="0"/>
               <a:pPr/>
-              <a:t>11/20/2022</a:t>
+              <a:t>11/21/2022</a:t>
             </a:fld>
             <a:endParaRPr lang="en-US" dirty="0"/>
           </a:p>
@@ -3131,7 +3132,7 @@
             <a:fld id="{57E0CF6C-748E-4B7A-BC8B-3011EF78ED13}" type="datetime1">
               <a:rPr lang="en-US" smtClean="0"/>
               <a:pPr/>
-              <a:t>11/20/2022</a:t>
+              <a:t>11/21/2022</a:t>
             </a:fld>
             <a:endParaRPr lang="en-US" dirty="0"/>
           </a:p>
@@ -3363,7 +3364,7 @@
             <a:fld id="{57E0CF6C-748E-4B7A-BC8B-3011EF78ED13}" type="datetime1">
               <a:rPr lang="en-US" smtClean="0"/>
               <a:pPr/>
-              <a:t>11/20/2022</a:t>
+              <a:t>11/21/2022</a:t>
             </a:fld>
             <a:endParaRPr lang="en-US" dirty="0"/>
           </a:p>
@@ -3552,7 +3553,7 @@
             <a:fld id="{57E0CF6C-748E-4B7A-BC8B-3011EF78ED13}" type="datetime1">
               <a:rPr lang="en-US" smtClean="0"/>
               <a:pPr/>
-              <a:t>11/20/2022</a:t>
+              <a:t>11/21/2022</a:t>
             </a:fld>
             <a:endParaRPr lang="en-US" dirty="0"/>
           </a:p>
@@ -3850,7 +3851,7 @@
             <a:fld id="{57E0CF6C-748E-4B7A-BC8B-3011EF78ED13}" type="datetime1">
               <a:rPr lang="en-US" smtClean="0"/>
               <a:pPr/>
-              <a:t>11/20/2022</a:t>
+              <a:t>11/21/2022</a:t>
             </a:fld>
             <a:endParaRPr lang="en-US" dirty="0"/>
           </a:p>
@@ -4101,7 +4102,7 @@
             <a:fld id="{57E0CF6C-748E-4B7A-BC8B-3011EF78ED13}" type="datetime1">
               <a:rPr lang="en-US" smtClean="0"/>
               <a:pPr/>
-              <a:t>11/20/2022</a:t>
+              <a:t>11/21/2022</a:t>
             </a:fld>
             <a:endParaRPr lang="en-US" dirty="0"/>
           </a:p>
@@ -4489,7 +4490,7 @@
             <a:fld id="{57E0CF6C-748E-4B7A-BC8B-3011EF78ED13}" type="datetime1">
               <a:rPr lang="en-US" smtClean="0"/>
               <a:pPr/>
-              <a:t>11/20/2022</a:t>
+              <a:t>11/21/2022</a:t>
             </a:fld>
             <a:endParaRPr lang="en-US" dirty="0"/>
           </a:p>
@@ -4616,7 +4617,7 @@
             <a:fld id="{57E0CF6C-748E-4B7A-BC8B-3011EF78ED13}" type="datetime1">
               <a:rPr lang="en-US" smtClean="0"/>
               <a:pPr/>
-              <a:t>11/20/2022</a:t>
+              <a:t>11/21/2022</a:t>
             </a:fld>
             <a:endParaRPr lang="en-US" dirty="0"/>
           </a:p>
@@ -4720,7 +4721,7 @@
             <a:fld id="{57E0CF6C-748E-4B7A-BC8B-3011EF78ED13}" type="datetime1">
               <a:rPr lang="en-US" smtClean="0"/>
               <a:pPr/>
-              <a:t>11/20/2022</a:t>
+              <a:t>11/21/2022</a:t>
             </a:fld>
             <a:endParaRPr lang="en-US" dirty="0"/>
           </a:p>
@@ -4978,7 +4979,7 @@
             <a:fld id="{57E0CF6C-748E-4B7A-BC8B-3011EF78ED13}" type="datetime1">
               <a:rPr lang="en-US" smtClean="0"/>
               <a:pPr/>
-              <a:t>11/20/2022</a:t>
+              <a:t>11/21/2022</a:t>
             </a:fld>
             <a:endParaRPr lang="en-US" dirty="0"/>
           </a:p>
@@ -5244,7 +5245,7 @@
             <a:fld id="{57E0CF6C-748E-4B7A-BC8B-3011EF78ED13}" type="datetime1">
               <a:rPr lang="en-US" smtClean="0"/>
               <a:pPr/>
-              <a:t>11/20/2022</a:t>
+              <a:t>11/21/2022</a:t>
             </a:fld>
             <a:endParaRPr lang="en-US" dirty="0"/>
           </a:p>
@@ -5496,7 +5497,7 @@
             <a:fld id="{57E0CF6C-748E-4B7A-BC8B-3011EF78ED13}" type="datetime1">
               <a:rPr lang="en-US" smtClean="0"/>
               <a:pPr/>
-              <a:t>11/20/2022</a:t>
+              <a:t>11/21/2022</a:t>
             </a:fld>
             <a:endParaRPr lang="en-US" dirty="0"/>
           </a:p>
@@ -6104,6 +6105,188 @@
 </p:sld>
 </file>
 
+<file path=ppt/slides/slide10.xml><?xml version="1.0" encoding="utf-8"?>
+<p:sld xmlns:a="http://schemas.openxmlformats.org/drawingml/2006/main" xmlns:r="http://schemas.openxmlformats.org/officeDocument/2006/relationships" xmlns:p="http://schemas.openxmlformats.org/presentationml/2006/main">
+  <p:cSld>
+    <p:spTree>
+      <p:nvGrpSpPr>
+        <p:cNvPr id="1" name=""/>
+        <p:cNvGrpSpPr/>
+        <p:nvPr/>
+      </p:nvGrpSpPr>
+      <p:grpSpPr>
+        <a:xfrm>
+          <a:off x="0" y="0"/>
+          <a:ext cx="0" cy="0"/>
+          <a:chOff x="0" y="0"/>
+          <a:chExt cx="0" cy="0"/>
+        </a:xfrm>
+      </p:grpSpPr>
+      <p:pic>
+        <p:nvPicPr>
+          <p:cNvPr id="21" name="Picture 3" descr="Fondo con red tecnológica">
+            <a:extLst>
+              <a:ext uri="{FF2B5EF4-FFF2-40B4-BE49-F238E27FC236}">
+                <a16:creationId xmlns:a16="http://schemas.microsoft.com/office/drawing/2014/main" id="{7A148CE5-BE18-0BDE-8FED-07F5C2D31623}"/>
+              </a:ext>
+            </a:extLst>
+          </p:cNvPr>
+          <p:cNvPicPr>
+            <a:picLocks noChangeAspect="1"/>
+          </p:cNvPicPr>
+          <p:nvPr/>
+        </p:nvPicPr>
+        <p:blipFill rotWithShape="1">
+          <a:blip r:embed="rId2">
+            <a:alphaModFix amt="60000"/>
+          </a:blip>
+          <a:srcRect b="3453"/>
+          <a:stretch/>
+        </p:blipFill>
+        <p:spPr>
+          <a:xfrm>
+            <a:off x="20" y="10"/>
+            <a:ext cx="12191980" cy="6856614"/>
+          </a:xfrm>
+          <a:prstGeom prst="rect">
+            <a:avLst/>
+          </a:prstGeom>
+        </p:spPr>
+      </p:pic>
+      <p:sp>
+        <p:nvSpPr>
+          <p:cNvPr id="4" name="CuadroTexto 3">
+            <a:extLst>
+              <a:ext uri="{FF2B5EF4-FFF2-40B4-BE49-F238E27FC236}">
+                <a16:creationId xmlns:a16="http://schemas.microsoft.com/office/drawing/2014/main" id="{486D47C4-61DF-F324-01B0-42E7E2C1A64E}"/>
+              </a:ext>
+            </a:extLst>
+          </p:cNvPr>
+          <p:cNvSpPr txBox="1"/>
+          <p:nvPr/>
+        </p:nvSpPr>
+        <p:spPr>
+          <a:xfrm>
+            <a:off x="3151573" y="443883"/>
+            <a:ext cx="5601810" cy="830997"/>
+          </a:xfrm>
+          <a:prstGeom prst="rect">
+            <a:avLst/>
+          </a:prstGeom>
+          <a:noFill/>
+        </p:spPr>
+        <p:txBody>
+          <a:bodyPr wrap="square" rtlCol="0">
+            <a:spAutoFit/>
+          </a:bodyPr>
+          <a:lstStyle/>
+          <a:p>
+            <a:pPr algn="ctr"/>
+            <a:r>
+              <a:rPr lang="es-ES" sz="4800" b="1" u="sng" dirty="0"/>
+              <a:t>Conclusión</a:t>
+            </a:r>
+            <a:endParaRPr lang="es-CL" sz="4800" b="1" u="sng" dirty="0"/>
+          </a:p>
+        </p:txBody>
+      </p:sp>
+      <p:pic>
+        <p:nvPicPr>
+          <p:cNvPr id="3" name="Imagen 2" descr="Imagen de la pantalla de un celular con la foto de una persona&#10;&#10;Descripción generada automáticamente con confianza baja">
+            <a:extLst>
+              <a:ext uri="{FF2B5EF4-FFF2-40B4-BE49-F238E27FC236}">
+                <a16:creationId xmlns:a16="http://schemas.microsoft.com/office/drawing/2014/main" id="{F006A959-75AA-9A3B-AB6E-9F0F27DAB7FD}"/>
+              </a:ext>
+            </a:extLst>
+          </p:cNvPr>
+          <p:cNvPicPr>
+            <a:picLocks noChangeAspect="1"/>
+          </p:cNvPicPr>
+          <p:nvPr/>
+        </p:nvPicPr>
+        <p:blipFill>
+          <a:blip r:embed="rId3">
+            <a:extLst>
+              <a:ext uri="{28A0092B-C50C-407E-A947-70E740481C1C}">
+                <a14:useLocalDpi xmlns:a14="http://schemas.microsoft.com/office/drawing/2010/main" val="0"/>
+              </a:ext>
+            </a:extLst>
+          </a:blip>
+          <a:stretch>
+            <a:fillRect/>
+          </a:stretch>
+        </p:blipFill>
+        <p:spPr>
+          <a:xfrm>
+            <a:off x="132244" y="3033712"/>
+            <a:ext cx="6038657" cy="2595563"/>
+          </a:xfrm>
+          <a:prstGeom prst="rect">
+            <a:avLst/>
+          </a:prstGeom>
+          <a:ln>
+            <a:noFill/>
+          </a:ln>
+          <a:effectLst>
+            <a:softEdge rad="112500"/>
+          </a:effectLst>
+        </p:spPr>
+      </p:pic>
+      <p:pic>
+        <p:nvPicPr>
+          <p:cNvPr id="6" name="Imagen 5" descr="Texto&#10;&#10;Descripción generada automáticamente">
+            <a:extLst>
+              <a:ext uri="{FF2B5EF4-FFF2-40B4-BE49-F238E27FC236}">
+                <a16:creationId xmlns:a16="http://schemas.microsoft.com/office/drawing/2014/main" id="{9FD257F0-B7C7-728E-1B58-B6DAC4BC930C}"/>
+              </a:ext>
+            </a:extLst>
+          </p:cNvPr>
+          <p:cNvPicPr>
+            <a:picLocks noChangeAspect="1"/>
+          </p:cNvPicPr>
+          <p:nvPr/>
+        </p:nvPicPr>
+        <p:blipFill>
+          <a:blip r:embed="rId4">
+            <a:extLst>
+              <a:ext uri="{28A0092B-C50C-407E-A947-70E740481C1C}">
+                <a14:useLocalDpi xmlns:a14="http://schemas.microsoft.com/office/drawing/2010/main" val="0"/>
+              </a:ext>
+            </a:extLst>
+          </a:blip>
+          <a:stretch>
+            <a:fillRect/>
+          </a:stretch>
+        </p:blipFill>
+        <p:spPr>
+          <a:xfrm>
+            <a:off x="7843837" y="2509837"/>
+            <a:ext cx="3465210" cy="2595563"/>
+          </a:xfrm>
+          <a:prstGeom prst="rect">
+            <a:avLst/>
+          </a:prstGeom>
+          <a:ln>
+            <a:noFill/>
+          </a:ln>
+          <a:effectLst>
+            <a:softEdge rad="112500"/>
+          </a:effectLst>
+        </p:spPr>
+      </p:pic>
+    </p:spTree>
+    <p:extLst>
+      <p:ext uri="{BB962C8B-B14F-4D97-AF65-F5344CB8AC3E}">
+        <p14:creationId xmlns:p14="http://schemas.microsoft.com/office/powerpoint/2010/main" val="3743533636"/>
+      </p:ext>
+    </p:extLst>
+  </p:cSld>
+  <p:clrMapOvr>
+    <a:masterClrMapping/>
+  </p:clrMapOvr>
+</p:sld>
+</file>
+
 <file path=ppt/slides/slide2.xml><?xml version="1.0" encoding="utf-8"?>
 <p:sld xmlns:a="http://schemas.openxmlformats.org/drawingml/2006/main" xmlns:r="http://schemas.openxmlformats.org/officeDocument/2006/relationships" xmlns:p="http://schemas.openxmlformats.org/presentationml/2006/main">
   <p:cSld>
@@ -7374,7 +7557,7 @@
         </p:blipFill>
         <p:spPr>
           <a:xfrm>
-            <a:off x="20" y="10"/>
+            <a:off x="0" y="0"/>
             <a:ext cx="12191980" cy="6856614"/>
           </a:xfrm>
           <a:prstGeom prst="rect">
@@ -7387,7 +7570,7 @@
           <p:cNvPr id="4" name="CuadroTexto 3">
             <a:extLst>
               <a:ext uri="{FF2B5EF4-FFF2-40B4-BE49-F238E27FC236}">
-                <a16:creationId xmlns:a16="http://schemas.microsoft.com/office/drawing/2014/main" id="{486D47C4-61DF-F324-01B0-42E7E2C1A64E}"/>
+                <a16:creationId xmlns:a16="http://schemas.microsoft.com/office/drawing/2014/main" id="{0E6CA376-F817-91A4-96DA-34A406CE8D9A}"/>
               </a:ext>
             </a:extLst>
           </p:cNvPr>
@@ -7396,8 +7579,8 @@
         </p:nvSpPr>
         <p:spPr>
           <a:xfrm>
-            <a:off x="3151573" y="443883"/>
-            <a:ext cx="5601810" cy="830997"/>
+            <a:off x="2478339" y="568170"/>
+            <a:ext cx="7235301" cy="769441"/>
           </a:xfrm>
           <a:prstGeom prst="rect">
             <a:avLst/>
@@ -7412,19 +7595,19 @@
           <a:p>
             <a:pPr algn="ctr"/>
             <a:r>
-              <a:rPr lang="es-ES" sz="4800" b="1" u="sng" dirty="0"/>
-              <a:t>Conclusión</a:t>
-            </a:r>
-            <a:endParaRPr lang="es-CL" sz="4800" b="1" u="sng" dirty="0"/>
+              <a:rPr lang="es-ES" sz="4400" b="1" u="sng" dirty="0"/>
+              <a:t>Sistema</a:t>
+            </a:r>
+            <a:endParaRPr lang="es-CL" sz="4400" b="1" u="sng" dirty="0"/>
           </a:p>
         </p:txBody>
       </p:sp>
       <p:pic>
         <p:nvPicPr>
-          <p:cNvPr id="3" name="Imagen 2" descr="Imagen de la pantalla de un celular con la foto de una persona&#10;&#10;Descripción generada automáticamente con confianza baja">
+          <p:cNvPr id="7" name="Imagen 6" descr="Un reloj con números romanos&#10;&#10;Descripción generada automáticamente con confianza media">
             <a:extLst>
               <a:ext uri="{FF2B5EF4-FFF2-40B4-BE49-F238E27FC236}">
-                <a16:creationId xmlns:a16="http://schemas.microsoft.com/office/drawing/2014/main" id="{F006A959-75AA-9A3B-AB6E-9F0F27DAB7FD}"/>
+                <a16:creationId xmlns:a16="http://schemas.microsoft.com/office/drawing/2014/main" id="{4FB2AB4D-6CF0-6672-7A9C-4F3AFDEB4BCD}"/>
               </a:ext>
             </a:extLst>
           </p:cNvPr>
@@ -7447,8 +7630,8 @@
         </p:blipFill>
         <p:spPr>
           <a:xfrm>
-            <a:off x="132244" y="3033712"/>
-            <a:ext cx="6038657" cy="2595563"/>
+            <a:off x="435047" y="2142491"/>
+            <a:ext cx="4994204" cy="3333631"/>
           </a:xfrm>
           <a:prstGeom prst="rect">
             <a:avLst/>
@@ -7463,10 +7646,10 @@
       </p:pic>
       <p:pic>
         <p:nvPicPr>
-          <p:cNvPr id="6" name="Imagen 5" descr="Texto&#10;&#10;Descripción generada automáticamente">
+          <p:cNvPr id="9" name="Imagen 8" descr="Imagen que contiene dibujo&#10;&#10;Descripción generada automáticamente">
             <a:extLst>
               <a:ext uri="{FF2B5EF4-FFF2-40B4-BE49-F238E27FC236}">
-                <a16:creationId xmlns:a16="http://schemas.microsoft.com/office/drawing/2014/main" id="{9FD257F0-B7C7-728E-1B58-B6DAC4BC930C}"/>
+                <a16:creationId xmlns:a16="http://schemas.microsoft.com/office/drawing/2014/main" id="{1855E837-EE14-1C57-91AD-50283EA456C6}"/>
               </a:ext>
             </a:extLst>
           </p:cNvPr>
@@ -7489,8 +7672,8 @@
         </p:blipFill>
         <p:spPr>
           <a:xfrm>
-            <a:off x="7843837" y="2509837"/>
-            <a:ext cx="3465210" cy="2595563"/>
+            <a:off x="5864298" y="3239044"/>
+            <a:ext cx="5838825" cy="3050786"/>
           </a:xfrm>
           <a:prstGeom prst="rect">
             <a:avLst/>
@@ -7506,7 +7689,7 @@
     </p:spTree>
     <p:extLst>
       <p:ext uri="{BB962C8B-B14F-4D97-AF65-F5344CB8AC3E}">
-        <p14:creationId xmlns:p14="http://schemas.microsoft.com/office/powerpoint/2010/main" val="3743533636"/>
+        <p14:creationId xmlns:p14="http://schemas.microsoft.com/office/powerpoint/2010/main" val="3286441897"/>
       </p:ext>
     </p:extLst>
   </p:cSld>
